--- a/JS_frameworks_workshop_presentation.pptx
+++ b/JS_frameworks_workshop_presentation.pptx
@@ -200,7 +200,7 @@
           <a:p>
             <a:fld id="{8D162E4E-85B0-F24B-A646-1E2E5B08ED9C}" type="datetimeFigureOut">
               <a:rPr lang="es-ES" smtClean="0"/>
-              <a:t>4/4/16</a:t>
+              <a:t>4/6/16</a:t>
             </a:fld>
             <a:endParaRPr lang="es-ES"/>
           </a:p>
@@ -596,6 +596,57 @@
           <a:bodyPr/>
           <a:lstStyle/>
           <a:p>
+            <a:pPr marL="171450" marR="0" indent="-171450" algn="l" defTabSz="457200" rtl="0" eaLnBrk="1" fontAlgn="auto" latinLnBrk="0" hangingPunct="1">
+              <a:lnSpc>
+                <a:spcPct val="100000"/>
+              </a:lnSpc>
+              <a:spcBef>
+                <a:spcPts val="0"/>
+              </a:spcBef>
+              <a:spcAft>
+                <a:spcPts val="0"/>
+              </a:spcAft>
+              <a:buClrTx/>
+              <a:buSzTx/>
+              <a:buFontTx/>
+              <a:buChar char="-"/>
+              <a:tabLst/>
+              <a:defRPr/>
+            </a:pPr>
+            <a:r>
+              <a:rPr lang="es-ES" dirty="0" smtClean="0"/>
+              <a:t>Cuando empiezas a investigar y a interesarte</a:t>
+            </a:r>
+            <a:r>
+              <a:rPr lang="es-ES" baseline="0" dirty="0" smtClean="0"/>
+              <a:t> por el lenguaje te das cuenta que </a:t>
+            </a:r>
+            <a:r>
+              <a:rPr lang="es-ES" baseline="0" dirty="0" err="1" smtClean="0"/>
+              <a:t>javascript</a:t>
+            </a:r>
+            <a:r>
+              <a:rPr lang="es-ES" baseline="0" dirty="0" smtClean="0"/>
+              <a:t> es un mundo gigante y te sientes perdido entre tanta librería, </a:t>
+            </a:r>
+            <a:r>
+              <a:rPr lang="es-ES" baseline="0" dirty="0" err="1" smtClean="0"/>
+              <a:t>framework</a:t>
+            </a:r>
+            <a:r>
+              <a:rPr lang="es-ES" baseline="0" dirty="0" smtClean="0"/>
+              <a:t>, </a:t>
+            </a:r>
+            <a:r>
+              <a:rPr lang="es-ES" baseline="0" dirty="0" err="1" smtClean="0"/>
+              <a:t>plugins</a:t>
+            </a:r>
+            <a:r>
+              <a:rPr lang="es-ES" baseline="0" dirty="0" smtClean="0"/>
+              <a:t>, patrones, etc. La idea es aprender a abarcar esa cantidad de recursos que existen para solucionar problemas.</a:t>
+            </a:r>
+          </a:p>
+          <a:p>
             <a:pPr marL="0" marR="0" indent="0" algn="l" defTabSz="457200" rtl="0" eaLnBrk="1" fontAlgn="auto" latinLnBrk="0" hangingPunct="1">
               <a:lnSpc>
                 <a:spcPct val="100000"/>
@@ -613,41 +664,29 @@
               <a:tabLst/>
               <a:defRPr/>
             </a:pPr>
-            <a:r>
-              <a:rPr lang="es-ES" dirty="0" smtClean="0"/>
-              <a:t>Cuando empiezas a investigar y a interesarte</a:t>
-            </a:r>
+            <a:endParaRPr lang="es-ES" baseline="0" dirty="0" smtClean="0"/>
+          </a:p>
+          <a:p>
+            <a:pPr marL="171450" marR="0" indent="-171450" algn="l" defTabSz="457200" rtl="0" eaLnBrk="1" fontAlgn="auto" latinLnBrk="0" hangingPunct="1">
+              <a:lnSpc>
+                <a:spcPct val="100000"/>
+              </a:lnSpc>
+              <a:spcBef>
+                <a:spcPts val="0"/>
+              </a:spcBef>
+              <a:spcAft>
+                <a:spcPts val="0"/>
+              </a:spcAft>
+              <a:buClrTx/>
+              <a:buSzTx/>
+              <a:buFontTx/>
+              <a:buChar char="-"/>
+              <a:tabLst/>
+              <a:defRPr/>
+            </a:pPr>
             <a:r>
               <a:rPr lang="es-ES" baseline="0" dirty="0" smtClean="0"/>
-              <a:t> por el lenguaje te das cuenta que </a:t>
-            </a:r>
-            <a:r>
-              <a:rPr lang="es-ES" baseline="0" dirty="0" err="1" smtClean="0"/>
-              <a:t>javascript</a:t>
-            </a:r>
-            <a:r>
-              <a:rPr lang="es-ES" baseline="0" dirty="0" smtClean="0"/>
-              <a:t> es un mundo gigante y te sientes perdido entre tanta librería, </a:t>
-            </a:r>
-            <a:r>
-              <a:rPr lang="es-ES" baseline="0" dirty="0" err="1" smtClean="0"/>
-              <a:t>framework</a:t>
-            </a:r>
-            <a:r>
-              <a:rPr lang="es-ES" baseline="0" dirty="0" smtClean="0"/>
-              <a:t>, </a:t>
-            </a:r>
-            <a:r>
-              <a:rPr lang="es-ES" baseline="0" dirty="0" err="1" smtClean="0"/>
-              <a:t>plugins</a:t>
-            </a:r>
-            <a:r>
-              <a:rPr lang="es-ES" baseline="0" dirty="0" smtClean="0"/>
-              <a:t>, patrones, etc</a:t>
-            </a:r>
-            <a:r>
-              <a:rPr lang="es-ES" baseline="0" dirty="0" smtClean="0"/>
-              <a:t>.</a:t>
+              <a:t>Es cierto que existen muchos frameworks y herramientas, pero no veamos esto como algo malo, ya que JS es un lenguaje muy popular y se está haciendo más popular aún, y con esto vendrán mas herramientas y lo fácil que es compartir esas herramientas y usar el código de otras personas en nuestro proyecto.</a:t>
             </a:r>
           </a:p>
           <a:p>
@@ -668,10 +707,7 @@
               <a:tabLst/>
               <a:defRPr/>
             </a:pPr>
-            <a:r>
-              <a:rPr lang="es-ES" baseline="0" dirty="0" smtClean="0"/>
-              <a:t>La idea es aprender a abarcar esa cantidad de recursos que existen para solucionar problemas.</a:t>
-            </a:r>
+            <a:endParaRPr lang="es-ES" baseline="0" dirty="0" smtClean="0"/>
           </a:p>
           <a:p>
             <a:pPr marL="0" marR="0" indent="0" algn="l" defTabSz="457200" rtl="0" eaLnBrk="1" fontAlgn="auto" latinLnBrk="0" hangingPunct="1">
@@ -693,11 +729,7 @@
             </a:pPr>
             <a:r>
               <a:rPr lang="es-ES" baseline="0" dirty="0" smtClean="0"/>
-              <a:t>No se recomendar</a:t>
-            </a:r>
-            <a:r>
-              <a:rPr lang="es-ES" baseline="0" dirty="0" smtClean="0"/>
-              <a:t>á un </a:t>
+              <a:t>- No se recomendará un </a:t>
             </a:r>
             <a:r>
               <a:rPr lang="es-ES" baseline="0" dirty="0" err="1" smtClean="0"/>
@@ -728,11 +760,30 @@
             </a:pPr>
             <a:r>
               <a:rPr lang="es-ES" baseline="0" dirty="0" smtClean="0"/>
-              <a:t>Las ventajas y desventajas son relativas ya que lo que es una ventaja para alguien puede ser una ventaja </a:t>
-            </a:r>
-            <a:r>
-              <a:rPr lang="es-ES" baseline="0" smtClean="0"/>
-              <a:t>para otro.</a:t>
+              <a:t>Las ventajas y desventajas son relativas ya que lo que es una ventaja para alguien puede ser una ventaja para otro.</a:t>
+            </a:r>
+          </a:p>
+          <a:p>
+            <a:pPr marL="0" marR="0" indent="0" algn="l" defTabSz="457200" rtl="0" eaLnBrk="1" fontAlgn="auto" latinLnBrk="0" hangingPunct="1">
+              <a:lnSpc>
+                <a:spcPct val="100000"/>
+              </a:lnSpc>
+              <a:spcBef>
+                <a:spcPts val="0"/>
+              </a:spcBef>
+              <a:spcAft>
+                <a:spcPts val="0"/>
+              </a:spcAft>
+              <a:buClrTx/>
+              <a:buSzTx/>
+              <a:buFontTx/>
+              <a:buNone/>
+              <a:tabLst/>
+              <a:defRPr/>
+            </a:pPr>
+            <a:r>
+              <a:rPr lang="es-ES" baseline="0" dirty="0" smtClean="0"/>
+              <a:t>- </a:t>
             </a:r>
           </a:p>
           <a:p>
@@ -934,6 +985,13 @@
               <a:buFontTx/>
               <a:buChar char="-"/>
             </a:pPr>
+            <a:endParaRPr lang="es-ES" baseline="0" dirty="0" smtClean="0"/>
+          </a:p>
+          <a:p>
+            <a:pPr marL="171450" indent="-171450">
+              <a:buFontTx/>
+              <a:buChar char="-"/>
+            </a:pPr>
             <a:endParaRPr lang="es-ES" dirty="0" smtClean="0"/>
           </a:p>
           <a:p>
@@ -1103,13 +1161,8 @@
             </a:r>
             <a:r>
               <a:rPr lang="es-ES" baseline="0" dirty="0" smtClean="0"/>
-              <a:t> empiece a crecer un programador procuraría seguir determinadas pautas que le faciliten el </a:t>
-            </a:r>
-            <a:r>
-              <a:rPr lang="es-ES" baseline="0" dirty="0" smtClean="0"/>
-              <a:t>trabajo.</a:t>
-            </a:r>
-            <a:endParaRPr lang="es-ES" baseline="0" dirty="0" smtClean="0"/>
+              <a:t> empiece a crecer un programador procuraría seguir determinadas pautas que le faciliten el trabajo.</a:t>
+            </a:r>
           </a:p>
           <a:p>
             <a:pPr marL="0" marR="0" indent="0" algn="l" defTabSz="457200" rtl="0" eaLnBrk="1" fontAlgn="auto" latinLnBrk="0" hangingPunct="1">
@@ -1215,11 +1268,7 @@
           <a:p>
             <a:r>
               <a:rPr lang="es-ES" dirty="0" smtClean="0"/>
-              <a:t>Aqu</a:t>
-            </a:r>
-            <a:r>
-              <a:rPr lang="es-ES" dirty="0" smtClean="0"/>
-              <a:t>í unas</a:t>
+              <a:t>Aquí unas</a:t>
             </a:r>
             <a:r>
               <a:rPr lang="es-ES" baseline="0" dirty="0" smtClean="0"/>
@@ -1317,11 +1366,7 @@
           <a:p>
             <a:r>
               <a:rPr lang="es-ES" dirty="0" smtClean="0"/>
-              <a:t>Aqu</a:t>
-            </a:r>
-            <a:r>
-              <a:rPr lang="es-ES" dirty="0" smtClean="0"/>
-              <a:t>í una lista de los frameworks más reconocidos, cabe resaltar que la mayoría de estos</a:t>
+              <a:t>Aquí una lista de los frameworks más reconocidos, cabe resaltar que la mayoría de estos</a:t>
             </a:r>
             <a:r>
               <a:rPr lang="es-ES" baseline="0" dirty="0" smtClean="0"/>
@@ -1343,7 +1388,246 @@
             </a:r>
           </a:p>
           <a:p>
-            <a:endParaRPr lang="es-ES" dirty="0"/>
+            <a:r>
+              <a:rPr lang="es-ES" dirty="0" smtClean="0"/>
+              <a:t>-Cual</a:t>
+            </a:r>
+            <a:r>
+              <a:rPr lang="es-ES" baseline="0" dirty="0" smtClean="0"/>
+              <a:t> </a:t>
+            </a:r>
+            <a:r>
+              <a:rPr lang="es-ES" baseline="0" dirty="0" err="1" smtClean="0"/>
+              <a:t>framework</a:t>
+            </a:r>
+            <a:r>
+              <a:rPr lang="es-ES" baseline="0" dirty="0" smtClean="0"/>
+              <a:t> debería usar? </a:t>
+            </a:r>
+          </a:p>
+          <a:p>
+            <a:r>
+              <a:rPr lang="es-ES" baseline="0" dirty="0" smtClean="0"/>
+              <a:t>	- qué habilidades son atractivas en el mercado laboral? </a:t>
+            </a:r>
+          </a:p>
+          <a:p>
+            <a:r>
+              <a:rPr lang="es-ES" baseline="0" dirty="0" smtClean="0"/>
+              <a:t>		R: el más popular del momento y actualmente el más popular y usado es Angular</a:t>
+            </a:r>
+          </a:p>
+          <a:p>
+            <a:r>
+              <a:rPr lang="es-ES" baseline="0" dirty="0" smtClean="0"/>
+              <a:t>	- existen dos formas de escoger, por popularidad o por  el creador. </a:t>
+            </a:r>
+          </a:p>
+          <a:p>
+            <a:r>
+              <a:rPr lang="es-ES" baseline="0" dirty="0" smtClean="0"/>
+              <a:t>	- si te pusieran a escoger entre un martillo o un destornillador, seguramente preguntarás qué vas a construir, si no sabes aun podrías ir por algo más genérico, como una navaja  suiza (esa herramienta que tiene varias en una) pero al momento de utilizarla no se siente bien ya que no está hecha para un trabajo en especifico.</a:t>
+            </a:r>
+          </a:p>
+          <a:p>
+            <a:r>
+              <a:rPr lang="es-ES" baseline="0" dirty="0" smtClean="0"/>
+              <a:t>	La moraleja es: Necesitas saber qué estás construyendo antes de elegir una herramienta.</a:t>
+            </a:r>
+          </a:p>
+          <a:p>
+            <a:r>
+              <a:rPr lang="es-ES" baseline="0" dirty="0" smtClean="0"/>
+              <a:t>	</a:t>
+            </a:r>
+          </a:p>
+          <a:p>
+            <a:r>
+              <a:rPr lang="es-ES" baseline="0" dirty="0" smtClean="0"/>
+              <a:t>-si no sabes qué vas a construir Escoge la herramienta que mejor conoces. Al final vas a hacer el trabajo quizás no de la mejor manera, pero ya sabrás qué </a:t>
+            </a:r>
+            <a:r>
+              <a:rPr lang="es-ES" baseline="0" dirty="0" err="1" smtClean="0"/>
+              <a:t>contruyes</a:t>
+            </a:r>
+            <a:r>
+              <a:rPr lang="es-ES" baseline="0" dirty="0" smtClean="0"/>
+              <a:t> y </a:t>
+            </a:r>
+            <a:r>
+              <a:rPr lang="es-ES" baseline="0" smtClean="0"/>
+              <a:t>sabrás escoger</a:t>
+            </a:r>
+            <a:endParaRPr lang="es-ES" baseline="0" dirty="0" smtClean="0"/>
+          </a:p>
+          <a:p>
+            <a:r>
+              <a:rPr lang="es-ES" baseline="0" dirty="0" smtClean="0"/>
+              <a:t>Las herramientas que hoy se utilizan llegarán a hacer obsoletas, todo es cuestión de tiempo.</a:t>
+            </a:r>
+          </a:p>
+          <a:p>
+            <a:r>
+              <a:rPr lang="es-ES" baseline="0" dirty="0" smtClean="0"/>
+              <a:t>Estamos destinados a Aprender nuevas herramientas</a:t>
+            </a:r>
+          </a:p>
+          <a:p>
+            <a:pPr marL="171450" marR="0" indent="-171450" algn="l" defTabSz="457200" rtl="0" eaLnBrk="1" fontAlgn="auto" latinLnBrk="0" hangingPunct="1">
+              <a:lnSpc>
+                <a:spcPct val="100000"/>
+              </a:lnSpc>
+              <a:spcBef>
+                <a:spcPts val="0"/>
+              </a:spcBef>
+              <a:spcAft>
+                <a:spcPts val="0"/>
+              </a:spcAft>
+              <a:buClrTx/>
+              <a:buSzTx/>
+              <a:buFontTx/>
+              <a:buChar char="-"/>
+              <a:tabLst/>
+              <a:defRPr/>
+            </a:pPr>
+            <a:r>
+              <a:rPr lang="es-ES" baseline="0" dirty="0" smtClean="0"/>
+              <a:t>No tratemos de ser mejores  programadores de un </a:t>
+            </a:r>
+            <a:r>
+              <a:rPr lang="es-ES" baseline="0" dirty="0" err="1" smtClean="0"/>
+              <a:t>framework</a:t>
+            </a:r>
+            <a:r>
+              <a:rPr lang="es-ES" baseline="0" dirty="0" smtClean="0"/>
+              <a:t>, tratemos de ser mejores programadores. De aprender el lenguaje en que están hechas las herramientas que utilizamos.</a:t>
+            </a:r>
+          </a:p>
+          <a:p>
+            <a:pPr marL="171450" marR="0" indent="-171450" algn="l" defTabSz="457200" rtl="0" eaLnBrk="1" fontAlgn="auto" latinLnBrk="0" hangingPunct="1">
+              <a:lnSpc>
+                <a:spcPct val="100000"/>
+              </a:lnSpc>
+              <a:spcBef>
+                <a:spcPts val="0"/>
+              </a:spcBef>
+              <a:spcAft>
+                <a:spcPts val="0"/>
+              </a:spcAft>
+              <a:buClrTx/>
+              <a:buSzTx/>
+              <a:buFontTx/>
+              <a:buChar char="-"/>
+              <a:tabLst/>
+              <a:defRPr/>
+            </a:pPr>
+            <a:endParaRPr lang="es-ES" baseline="0" dirty="0" smtClean="0"/>
+          </a:p>
+          <a:p>
+            <a:pPr marL="171450" marR="0" indent="-171450" algn="l" defTabSz="457200" rtl="0" eaLnBrk="1" fontAlgn="auto" latinLnBrk="0" hangingPunct="1">
+              <a:lnSpc>
+                <a:spcPct val="100000"/>
+              </a:lnSpc>
+              <a:spcBef>
+                <a:spcPts val="0"/>
+              </a:spcBef>
+              <a:spcAft>
+                <a:spcPts val="0"/>
+              </a:spcAft>
+              <a:buClrTx/>
+              <a:buSzTx/>
+              <a:buFontTx/>
+              <a:buChar char="-"/>
+              <a:tabLst/>
+              <a:defRPr/>
+            </a:pPr>
+            <a:endParaRPr lang="es-ES" baseline="0" dirty="0" smtClean="0"/>
+          </a:p>
+          <a:p>
+            <a:pPr marL="171450" marR="0" indent="-171450" algn="l" defTabSz="457200" rtl="0" eaLnBrk="1" fontAlgn="auto" latinLnBrk="0" hangingPunct="1">
+              <a:lnSpc>
+                <a:spcPct val="100000"/>
+              </a:lnSpc>
+              <a:spcBef>
+                <a:spcPts val="0"/>
+              </a:spcBef>
+              <a:spcAft>
+                <a:spcPts val="0"/>
+              </a:spcAft>
+              <a:buClrTx/>
+              <a:buSzTx/>
+              <a:buFontTx/>
+              <a:buChar char="-"/>
+              <a:tabLst/>
+              <a:defRPr/>
+            </a:pPr>
+            <a:r>
+              <a:rPr lang="es-ES" baseline="0" dirty="0" smtClean="0"/>
+              <a:t>Usa herramientas que no quieres usar, no herramientas que no puedes hacer.</a:t>
+            </a:r>
+          </a:p>
+          <a:p>
+            <a:pPr marL="171450" marR="0" indent="-171450" algn="l" defTabSz="457200" rtl="0" eaLnBrk="1" fontAlgn="auto" latinLnBrk="0" hangingPunct="1">
+              <a:lnSpc>
+                <a:spcPct val="100000"/>
+              </a:lnSpc>
+              <a:spcBef>
+                <a:spcPts val="0"/>
+              </a:spcBef>
+              <a:spcAft>
+                <a:spcPts val="0"/>
+              </a:spcAft>
+              <a:buClrTx/>
+              <a:buSzTx/>
+              <a:buFontTx/>
+              <a:buChar char="-"/>
+              <a:tabLst/>
+              <a:defRPr/>
+            </a:pPr>
+            <a:r>
+              <a:rPr lang="es-ES" baseline="0" dirty="0" smtClean="0"/>
+              <a:t>Deberías aprender a programar no a usar herramientas, así sabrás qué herramientas usar o cómo hacerlas tú mismo</a:t>
+            </a:r>
+          </a:p>
+          <a:p>
+            <a:pPr marL="171450" marR="0" indent="-171450" algn="l" defTabSz="457200" rtl="0" eaLnBrk="1" fontAlgn="auto" latinLnBrk="0" hangingPunct="1">
+              <a:lnSpc>
+                <a:spcPct val="100000"/>
+              </a:lnSpc>
+              <a:spcBef>
+                <a:spcPts val="0"/>
+              </a:spcBef>
+              <a:spcAft>
+                <a:spcPts val="0"/>
+              </a:spcAft>
+              <a:buClrTx/>
+              <a:buSzTx/>
+              <a:buFontTx/>
+              <a:buChar char="-"/>
+              <a:tabLst/>
+              <a:defRPr/>
+            </a:pPr>
+            <a:endParaRPr lang="es-ES" baseline="0" dirty="0" smtClean="0"/>
+          </a:p>
+          <a:p>
+            <a:pPr marL="171450" marR="0" indent="-171450" algn="l" defTabSz="457200" rtl="0" eaLnBrk="1" fontAlgn="auto" latinLnBrk="0" hangingPunct="1">
+              <a:lnSpc>
+                <a:spcPct val="100000"/>
+              </a:lnSpc>
+              <a:spcBef>
+                <a:spcPts val="0"/>
+              </a:spcBef>
+              <a:spcAft>
+                <a:spcPts val="0"/>
+              </a:spcAft>
+              <a:buClrTx/>
+              <a:buSzTx/>
+              <a:buFontTx/>
+              <a:buChar char="-"/>
+              <a:tabLst/>
+              <a:defRPr/>
+            </a:pPr>
+            <a:endParaRPr lang="es-ES" baseline="0" dirty="0" smtClean="0"/>
           </a:p>
         </p:txBody>
       </p:sp>
@@ -1460,11 +1744,7 @@
             </a:r>
             <a:r>
               <a:rPr lang="es-ES" baseline="0" dirty="0" smtClean="0"/>
-              <a:t> el proceso se usar</a:t>
-            </a:r>
-            <a:r>
-              <a:rPr lang="es-ES" baseline="0" dirty="0" smtClean="0"/>
-              <a:t>á </a:t>
+              <a:t> el proceso se usará </a:t>
             </a:r>
             <a:r>
               <a:rPr lang="es-ES" baseline="0" dirty="0" err="1" smtClean="0"/>
@@ -1819,7 +2099,7 @@
           <a:p>
             <a:fld id="{A513A83F-0E96-8B4F-96B8-9C934269B66B}" type="datetimeFigureOut">
               <a:rPr lang="es-ES" smtClean="0"/>
-              <a:t>4/4/16</a:t>
+              <a:t>4/6/16</a:t>
             </a:fld>
             <a:endParaRPr lang="en-US"/>
           </a:p>
@@ -1989,7 +2269,7 @@
           <a:p>
             <a:fld id="{A513A83F-0E96-8B4F-96B8-9C934269B66B}" type="datetimeFigureOut">
               <a:rPr lang="es-ES" smtClean="0"/>
-              <a:t>4/4/16</a:t>
+              <a:t>4/6/16</a:t>
             </a:fld>
             <a:endParaRPr lang="en-US"/>
           </a:p>
@@ -2169,7 +2449,7 @@
           <a:p>
             <a:fld id="{A513A83F-0E96-8B4F-96B8-9C934269B66B}" type="datetimeFigureOut">
               <a:rPr lang="es-ES" smtClean="0"/>
-              <a:t>4/4/16</a:t>
+              <a:t>4/6/16</a:t>
             </a:fld>
             <a:endParaRPr lang="en-US"/>
           </a:p>
@@ -2339,7 +2619,7 @@
           <a:p>
             <a:fld id="{A513A83F-0E96-8B4F-96B8-9C934269B66B}" type="datetimeFigureOut">
               <a:rPr lang="es-ES" smtClean="0"/>
-              <a:t>4/4/16</a:t>
+              <a:t>4/6/16</a:t>
             </a:fld>
             <a:endParaRPr lang="en-US"/>
           </a:p>
@@ -2585,7 +2865,7 @@
           <a:p>
             <a:fld id="{A513A83F-0E96-8B4F-96B8-9C934269B66B}" type="datetimeFigureOut">
               <a:rPr lang="es-ES" smtClean="0"/>
-              <a:t>4/4/16</a:t>
+              <a:t>4/6/16</a:t>
             </a:fld>
             <a:endParaRPr lang="en-US"/>
           </a:p>
@@ -2873,7 +3153,7 @@
           <a:p>
             <a:fld id="{A513A83F-0E96-8B4F-96B8-9C934269B66B}" type="datetimeFigureOut">
               <a:rPr lang="es-ES" smtClean="0"/>
-              <a:t>4/4/16</a:t>
+              <a:t>4/6/16</a:t>
             </a:fld>
             <a:endParaRPr lang="en-US"/>
           </a:p>
@@ -3295,7 +3575,7 @@
           <a:p>
             <a:fld id="{A513A83F-0E96-8B4F-96B8-9C934269B66B}" type="datetimeFigureOut">
               <a:rPr lang="es-ES" smtClean="0"/>
-              <a:t>4/4/16</a:t>
+              <a:t>4/6/16</a:t>
             </a:fld>
             <a:endParaRPr lang="en-US"/>
           </a:p>
@@ -3413,7 +3693,7 @@
           <a:p>
             <a:fld id="{A513A83F-0E96-8B4F-96B8-9C934269B66B}" type="datetimeFigureOut">
               <a:rPr lang="es-ES" smtClean="0"/>
-              <a:t>4/4/16</a:t>
+              <a:t>4/6/16</a:t>
             </a:fld>
             <a:endParaRPr lang="en-US"/>
           </a:p>
@@ -3508,7 +3788,7 @@
           <a:p>
             <a:fld id="{A513A83F-0E96-8B4F-96B8-9C934269B66B}" type="datetimeFigureOut">
               <a:rPr lang="es-ES" smtClean="0"/>
-              <a:t>4/4/16</a:t>
+              <a:t>4/6/16</a:t>
             </a:fld>
             <a:endParaRPr lang="en-US"/>
           </a:p>
@@ -3785,7 +4065,7 @@
           <a:p>
             <a:fld id="{A513A83F-0E96-8B4F-96B8-9C934269B66B}" type="datetimeFigureOut">
               <a:rPr lang="es-ES" smtClean="0"/>
-              <a:t>4/4/16</a:t>
+              <a:t>4/6/16</a:t>
             </a:fld>
             <a:endParaRPr lang="en-US"/>
           </a:p>
@@ -4038,7 +4318,7 @@
           <a:p>
             <a:fld id="{A513A83F-0E96-8B4F-96B8-9C934269B66B}" type="datetimeFigureOut">
               <a:rPr lang="es-ES" smtClean="0"/>
-              <a:t>4/4/16</a:t>
+              <a:t>4/6/16</a:t>
             </a:fld>
             <a:endParaRPr lang="en-US"/>
           </a:p>
@@ -4251,7 +4531,7 @@
           <a:p>
             <a:fld id="{A513A83F-0E96-8B4F-96B8-9C934269B66B}" type="datetimeFigureOut">
               <a:rPr lang="es-ES" smtClean="0"/>
-              <a:t>4/4/16</a:t>
+              <a:t>4/6/16</a:t>
             </a:fld>
             <a:endParaRPr lang="en-US"/>
           </a:p>
@@ -5102,12 +5382,12 @@
         <p:spPr>
           <a:xfrm>
             <a:off x="457200" y="742950"/>
-            <a:ext cx="8229600" cy="3772661"/>
+            <a:ext cx="8686800" cy="4273550"/>
           </a:xfrm>
         </p:spPr>
         <p:txBody>
           <a:bodyPr>
-            <a:normAutofit fontScale="85000" lnSpcReduction="20000"/>
+            <a:normAutofit fontScale="92500" lnSpcReduction="10000"/>
           </a:bodyPr>
           <a:lstStyle/>
           <a:p>
@@ -6389,10 +6669,15 @@
             <p:ph idx="1"/>
           </p:nvPr>
         </p:nvSpPr>
-        <p:spPr/>
+        <p:spPr>
+          <a:xfrm>
+            <a:off x="457200" y="1073150"/>
+            <a:ext cx="8407400" cy="3943349"/>
+          </a:xfrm>
+        </p:spPr>
         <p:txBody>
           <a:bodyPr>
-            <a:normAutofit fontScale="77500" lnSpcReduction="20000"/>
+            <a:normAutofit fontScale="92500" lnSpcReduction="20000"/>
           </a:bodyPr>
           <a:lstStyle/>
           <a:p>
@@ -6472,7 +6757,20 @@
                 <a:latin typeface="Gotham Book"/>
                 <a:cs typeface="Gotham Book"/>
               </a:rPr>
-              <a:t>Facilitar el uso de expresiones y tareas, no necesariamente relacionadas entre sí.</a:t>
+              <a:t>Facilitar el uso de expresiones y tareas, no necesariamente relacionadas entre sí</a:t>
+            </a:r>
+            <a:r>
+              <a:rPr lang="es-ES_tradnl" sz="1400" dirty="0" smtClean="0">
+                <a:solidFill>
+                  <a:schemeClr val="tx2">
+                    <a:lumMod val="40000"/>
+                    <a:lumOff val="60000"/>
+                  </a:schemeClr>
+                </a:solidFill>
+                <a:latin typeface="Gotham Book"/>
+                <a:cs typeface="Gotham Book"/>
+              </a:rPr>
+              <a:t>.</a:t>
             </a:r>
           </a:p>
           <a:p>
@@ -8246,6 +8544,41 @@
                                   </p:childTnLst>
                                 </p:cTn>
                               </p:par>
+                              <p:par>
+                                <p:cTn id="20" presetID="3" presetClass="entr" presetSubtype="10" fill="hold" nodeType="withEffect">
+                                  <p:stCondLst>
+                                    <p:cond delay="0"/>
+                                  </p:stCondLst>
+                                  <p:childTnLst>
+                                    <p:set>
+                                      <p:cBhvr>
+                                        <p:cTn id="21" dur="1" fill="hold">
+                                          <p:stCondLst>
+                                            <p:cond delay="0"/>
+                                          </p:stCondLst>
+                                        </p:cTn>
+                                        <p:tgtEl>
+                                          <p:spTgt spid="4"/>
+                                        </p:tgtEl>
+                                        <p:attrNameLst>
+                                          <p:attrName>style.visibility</p:attrName>
+                                        </p:attrNameLst>
+                                      </p:cBhvr>
+                                      <p:to>
+                                        <p:strVal val="visible"/>
+                                      </p:to>
+                                    </p:set>
+                                    <p:animEffect transition="in" filter="blinds(horizontal)">
+                                      <p:cBhvr>
+                                        <p:cTn id="22" dur="500"/>
+                                        <p:tgtEl>
+                                          <p:spTgt spid="4"/>
+                                        </p:tgtEl>
+                                      </p:cBhvr>
+                                    </p:animEffect>
+                                  </p:childTnLst>
+                                </p:cTn>
+                              </p:par>
                             </p:childTnLst>
                           </p:cTn>
                         </p:par>
@@ -8753,6 +9086,111 @@
                                   </p:childTnLst>
                                 </p:cTn>
                               </p:par>
+                              <p:par>
+                                <p:cTn id="14" presetID="3" presetClass="entr" presetSubtype="10" fill="hold" nodeType="withEffect">
+                                  <p:stCondLst>
+                                    <p:cond delay="0"/>
+                                  </p:stCondLst>
+                                  <p:childTnLst>
+                                    <p:set>
+                                      <p:cBhvr>
+                                        <p:cTn id="15" dur="1" fill="hold">
+                                          <p:stCondLst>
+                                            <p:cond delay="0"/>
+                                          </p:stCondLst>
+                                        </p:cTn>
+                                        <p:tgtEl>
+                                          <p:spTgt spid="9"/>
+                                        </p:tgtEl>
+                                        <p:attrNameLst>
+                                          <p:attrName>style.visibility</p:attrName>
+                                        </p:attrNameLst>
+                                      </p:cBhvr>
+                                      <p:to>
+                                        <p:strVal val="visible"/>
+                                      </p:to>
+                                    </p:set>
+                                    <p:animEffect transition="in" filter="blinds(horizontal)">
+                                      <p:cBhvr>
+                                        <p:cTn id="16" dur="500"/>
+                                        <p:tgtEl>
+                                          <p:spTgt spid="9"/>
+                                        </p:tgtEl>
+                                      </p:cBhvr>
+                                    </p:animEffect>
+                                  </p:childTnLst>
+                                </p:cTn>
+                              </p:par>
+                              <p:par>
+                                <p:cTn id="17" presetID="3" presetClass="entr" presetSubtype="10" fill="hold" nodeType="withEffect">
+                                  <p:stCondLst>
+                                    <p:cond delay="0"/>
+                                  </p:stCondLst>
+                                  <p:childTnLst>
+                                    <p:set>
+                                      <p:cBhvr>
+                                        <p:cTn id="18" dur="1" fill="hold">
+                                          <p:stCondLst>
+                                            <p:cond delay="0"/>
+                                          </p:stCondLst>
+                                        </p:cTn>
+                                        <p:tgtEl>
+                                          <p:spTgt spid="6"/>
+                                        </p:tgtEl>
+                                        <p:attrNameLst>
+                                          <p:attrName>style.visibility</p:attrName>
+                                        </p:attrNameLst>
+                                      </p:cBhvr>
+                                      <p:to>
+                                        <p:strVal val="visible"/>
+                                      </p:to>
+                                    </p:set>
+                                    <p:animEffect transition="in" filter="blinds(horizontal)">
+                                      <p:cBhvr>
+                                        <p:cTn id="19" dur="500"/>
+                                        <p:tgtEl>
+                                          <p:spTgt spid="6"/>
+                                        </p:tgtEl>
+                                      </p:cBhvr>
+                                    </p:animEffect>
+                                  </p:childTnLst>
+                                </p:cTn>
+                              </p:par>
+                              <p:par>
+                                <p:cTn id="20" presetID="3" presetClass="entr" presetSubtype="10" fill="hold" nodeType="withEffect">
+                                  <p:stCondLst>
+                                    <p:cond delay="0"/>
+                                  </p:stCondLst>
+                                  <p:childTnLst>
+                                    <p:set>
+                                      <p:cBhvr>
+                                        <p:cTn id="21" dur="1" fill="hold">
+                                          <p:stCondLst>
+                                            <p:cond delay="0"/>
+                                          </p:stCondLst>
+                                        </p:cTn>
+                                        <p:tgtEl>
+                                          <p:spTgt spid="5"/>
+                                        </p:tgtEl>
+                                        <p:attrNameLst>
+                                          <p:attrName>style.visibility</p:attrName>
+                                        </p:attrNameLst>
+                                      </p:cBhvr>
+                                      <p:to>
+                                        <p:strVal val="visible"/>
+                                      </p:to>
+                                    </p:set>
+                                    <p:animEffect transition="in" filter="blinds(horizontal)">
+                                      <p:cBhvr>
+                                        <p:cTn id="22" dur="500"/>
+                                        <p:tgtEl>
+                                          <p:spTgt spid="5"/>
+                                        </p:tgtEl>
+                                      </p:cBhvr>
+                                    </p:animEffect>
+                                  </p:childTnLst>
+                                </p:cTn>
+                              </p:par>
                             </p:childTnLst>
                           </p:cTn>
                         </p:par>
@@ -8859,29 +9297,7 @@
                 <a:ea typeface="헤드라인A"/>
                 <a:cs typeface="Gotham Book"/>
               </a:rPr>
-              <a:t>¡</a:t>
-            </a:r>
-            <a:r>
-              <a:rPr lang="es-ES_tradnl" dirty="0" smtClean="0">
-                <a:solidFill>
-                  <a:srgbClr val="FFFF00"/>
-                </a:solidFill>
-                <a:latin typeface="Gotham Book"/>
-                <a:ea typeface="헤드라인A"/>
-                <a:cs typeface="Gotham Book"/>
-              </a:rPr>
-              <a:t>El taller</a:t>
-            </a:r>
-            <a:r>
-              <a:rPr lang="es-ES_tradnl" dirty="0" smtClean="0">
-                <a:solidFill>
-                  <a:srgbClr val="FFFF00"/>
-                </a:solidFill>
-                <a:latin typeface="Gotham Book"/>
-                <a:ea typeface="헤드라인A"/>
-                <a:cs typeface="Gotham Book"/>
-              </a:rPr>
-              <a:t>!</a:t>
+              <a:t>¡El taller!</a:t>
             </a:r>
             <a:endParaRPr lang="es-ES_tradnl" dirty="0">
               <a:solidFill>
@@ -9191,8 +9607,9 @@
             <a:r>
               <a:rPr lang="es-ES" sz="2400" dirty="0" err="1" smtClean="0">
                 <a:solidFill>
-                  <a:schemeClr val="accent1">
-                    <a:lumMod val="75000"/>
+                  <a:schemeClr val="tx2">
+                    <a:lumMod val="20000"/>
+                    <a:lumOff val="80000"/>
                   </a:schemeClr>
                 </a:solidFill>
               </a:rPr>
@@ -9201,8 +9618,9 @@
             <a:r>
               <a:rPr lang="es-ES" sz="2400" dirty="0">
                 <a:solidFill>
-                  <a:schemeClr val="accent1">
-                    <a:lumMod val="75000"/>
+                  <a:schemeClr val="tx2">
+                    <a:lumMod val="20000"/>
+                    <a:lumOff val="80000"/>
                   </a:schemeClr>
                 </a:solidFill>
               </a:rPr>
@@ -9211,8 +9629,9 @@
             <a:r>
               <a:rPr lang="es-ES" sz="2400" dirty="0" err="1">
                 <a:solidFill>
-                  <a:schemeClr val="accent1">
-                    <a:lumMod val="75000"/>
+                  <a:schemeClr val="tx2">
+                    <a:lumMod val="20000"/>
+                    <a:lumOff val="80000"/>
                   </a:schemeClr>
                 </a:solidFill>
               </a:rPr>
@@ -9221,8 +9640,9 @@
             <a:r>
               <a:rPr lang="es-ES" sz="2400" dirty="0">
                 <a:solidFill>
-                  <a:schemeClr val="accent1">
-                    <a:lumMod val="75000"/>
+                  <a:schemeClr val="tx2">
+                    <a:lumMod val="20000"/>
+                    <a:lumOff val="80000"/>
                   </a:schemeClr>
                 </a:solidFill>
               </a:rPr>
@@ -9231,8 +9651,9 @@
             <a:r>
               <a:rPr lang="es-ES" sz="2400" dirty="0" err="1">
                 <a:solidFill>
-                  <a:schemeClr val="accent1">
-                    <a:lumMod val="75000"/>
+                  <a:schemeClr val="tx2">
+                    <a:lumMod val="20000"/>
+                    <a:lumOff val="80000"/>
                   </a:schemeClr>
                 </a:solidFill>
               </a:rPr>
@@ -9241,8 +9662,9 @@
             <a:r>
               <a:rPr lang="es-ES" sz="2400" dirty="0">
                 <a:solidFill>
-                  <a:schemeClr val="accent1">
-                    <a:lumMod val="75000"/>
+                  <a:schemeClr val="tx2">
+                    <a:lumMod val="20000"/>
+                    <a:lumOff val="80000"/>
                   </a:schemeClr>
                 </a:solidFill>
               </a:rPr>
@@ -9251,8 +9673,9 @@
             <a:r>
               <a:rPr lang="es-ES" sz="2400" dirty="0" err="1">
                 <a:solidFill>
-                  <a:schemeClr val="accent1">
-                    <a:lumMod val="75000"/>
+                  <a:schemeClr val="tx2">
+                    <a:lumMod val="20000"/>
+                    <a:lumOff val="80000"/>
                   </a:schemeClr>
                 </a:solidFill>
               </a:rPr>
@@ -9260,8 +9683,9 @@
             </a:r>
             <a:endParaRPr lang="es-ES" sz="2400" dirty="0">
               <a:solidFill>
-                <a:schemeClr val="accent1">
-                  <a:lumMod val="75000"/>
+                <a:schemeClr val="tx2">
+                  <a:lumMod val="20000"/>
+                  <a:lumOff val="80000"/>
                 </a:schemeClr>
               </a:solidFill>
             </a:endParaRPr>
